--- a/git.pptx
+++ b/git.pptx
@@ -5,7 +5,7 @@
     <p:sldMasterId id="2147483660" r:id="rId1"/>
   </p:sldMasterIdLst>
   <p:notesMasterIdLst>
-    <p:notesMasterId r:id="rId14"/>
+    <p:notesMasterId r:id="rId15"/>
   </p:notesMasterIdLst>
   <p:sldIdLst>
     <p:sldId id="256" r:id="rId2"/>
@@ -19,7 +19,8 @@
     <p:sldId id="307" r:id="rId10"/>
     <p:sldId id="320" r:id="rId11"/>
     <p:sldId id="321" r:id="rId12"/>
-    <p:sldId id="284" r:id="rId13"/>
+    <p:sldId id="322" r:id="rId13"/>
+    <p:sldId id="284" r:id="rId14"/>
   </p:sldIdLst>
   <p:sldSz cx="12192000" cy="6858000"/>
   <p:notesSz cx="6858000" cy="9144000"/>
@@ -2532,6 +2533,423 @@
       <dsp:cNvGrpSpPr/>
     </dsp:nvGrpSpPr>
     <dsp:grpSpPr/>
+    <dsp:sp modelId="{AFEE73A7-DE5B-4870-A959-42B5EB23146D}">
+      <dsp:nvSpPr>
+        <dsp:cNvPr id="0" name=""/>
+        <dsp:cNvSpPr/>
+      </dsp:nvSpPr>
+      <dsp:spPr>
+        <a:xfrm>
+          <a:off x="-4994000" y="-765167"/>
+          <a:ext cx="5947589" cy="5947589"/>
+        </a:xfrm>
+        <a:prstGeom prst="blockArc">
+          <a:avLst>
+            <a:gd name="adj1" fmla="val 18900000"/>
+            <a:gd name="adj2" fmla="val 2700000"/>
+            <a:gd name="adj3" fmla="val 363"/>
+          </a:avLst>
+        </a:prstGeom>
+        <a:noFill/>
+        <a:ln w="19050" cap="rnd" cmpd="sng" algn="ctr">
+          <a:solidFill>
+            <a:schemeClr val="accent1">
+              <a:shade val="60000"/>
+              <a:hueOff val="0"/>
+              <a:satOff val="0"/>
+              <a:lumOff val="0"/>
+              <a:alphaOff val="0"/>
+            </a:schemeClr>
+          </a:solidFill>
+          <a:prstDash val="solid"/>
+        </a:ln>
+        <a:effectLst/>
+      </dsp:spPr>
+      <dsp:style>
+        <a:lnRef idx="2">
+          <a:scrgbClr r="0" g="0" b="0"/>
+        </a:lnRef>
+        <a:fillRef idx="0">
+          <a:scrgbClr r="0" g="0" b="0"/>
+        </a:fillRef>
+        <a:effectRef idx="0">
+          <a:scrgbClr r="0" g="0" b="0"/>
+        </a:effectRef>
+        <a:fontRef idx="minor"/>
+      </dsp:style>
+    </dsp:sp>
+    <dsp:sp modelId="{D200AC69-1649-423E-B14E-BD27053A02A7}">
+      <dsp:nvSpPr>
+        <dsp:cNvPr id="0" name=""/>
+        <dsp:cNvSpPr/>
+      </dsp:nvSpPr>
+      <dsp:spPr>
+        <a:xfrm>
+          <a:off x="613307" y="441725"/>
+          <a:ext cx="6378576" cy="883450"/>
+        </a:xfrm>
+        <a:prstGeom prst="rect">
+          <a:avLst/>
+        </a:prstGeom>
+        <a:solidFill>
+          <a:schemeClr val="accent1">
+            <a:hueOff val="0"/>
+            <a:satOff val="0"/>
+            <a:lumOff val="0"/>
+            <a:alphaOff val="0"/>
+          </a:schemeClr>
+        </a:solidFill>
+        <a:ln w="19050" cap="rnd" cmpd="sng" algn="ctr">
+          <a:solidFill>
+            <a:schemeClr val="lt1">
+              <a:hueOff val="0"/>
+              <a:satOff val="0"/>
+              <a:lumOff val="0"/>
+              <a:alphaOff val="0"/>
+            </a:schemeClr>
+          </a:solidFill>
+          <a:prstDash val="solid"/>
+        </a:ln>
+        <a:effectLst/>
+      </dsp:spPr>
+      <dsp:style>
+        <a:lnRef idx="2">
+          <a:scrgbClr r="0" g="0" b="0"/>
+        </a:lnRef>
+        <a:fillRef idx="1">
+          <a:scrgbClr r="0" g="0" b="0"/>
+        </a:fillRef>
+        <a:effectRef idx="0">
+          <a:scrgbClr r="0" g="0" b="0"/>
+        </a:effectRef>
+        <a:fontRef idx="minor">
+          <a:schemeClr val="lt1"/>
+        </a:fontRef>
+      </dsp:style>
+      <dsp:txBody>
+        <a:bodyPr spcFirstLastPara="0" vert="horz" wrap="square" lIns="701239" tIns="104140" rIns="104140" bIns="104140" numCol="1" spcCol="1270" anchor="ctr" anchorCtr="0">
+          <a:noAutofit/>
+        </a:bodyPr>
+        <a:lstStyle/>
+        <a:p>
+          <a:pPr lvl="0" algn="l" defTabSz="1822450">
+            <a:lnSpc>
+              <a:spcPct val="90000"/>
+            </a:lnSpc>
+            <a:spcBef>
+              <a:spcPct val="0"/>
+            </a:spcBef>
+            <a:spcAft>
+              <a:spcPct val="35000"/>
+            </a:spcAft>
+          </a:pPr>
+          <a:r>
+            <a:rPr lang="zh-CN" altLang="en-US" sz="4100" kern="1200" dirty="0" smtClean="0"/>
+            <a:t>操作指令执行快</a:t>
+          </a:r>
+          <a:endParaRPr lang="zh-CN" altLang="en-US" sz="4100" kern="1200" dirty="0"/>
+        </a:p>
+      </dsp:txBody>
+      <dsp:txXfrm>
+        <a:off x="613307" y="441725"/>
+        <a:ext cx="6378576" cy="883450"/>
+      </dsp:txXfrm>
+    </dsp:sp>
+    <dsp:sp modelId="{C4E9E844-C2E2-44DF-BAFD-9DCD7729D3C4}">
+      <dsp:nvSpPr>
+        <dsp:cNvPr id="0" name=""/>
+        <dsp:cNvSpPr/>
+      </dsp:nvSpPr>
+      <dsp:spPr>
+        <a:xfrm>
+          <a:off x="61150" y="331294"/>
+          <a:ext cx="1104313" cy="1104313"/>
+        </a:xfrm>
+        <a:prstGeom prst="ellipse">
+          <a:avLst/>
+        </a:prstGeom>
+        <a:solidFill>
+          <a:schemeClr val="lt1">
+            <a:hueOff val="0"/>
+            <a:satOff val="0"/>
+            <a:lumOff val="0"/>
+            <a:alphaOff val="0"/>
+          </a:schemeClr>
+        </a:solidFill>
+        <a:ln w="19050" cap="rnd" cmpd="sng" algn="ctr">
+          <a:solidFill>
+            <a:schemeClr val="accent1">
+              <a:hueOff val="0"/>
+              <a:satOff val="0"/>
+              <a:lumOff val="0"/>
+              <a:alphaOff val="0"/>
+            </a:schemeClr>
+          </a:solidFill>
+          <a:prstDash val="solid"/>
+        </a:ln>
+        <a:effectLst/>
+      </dsp:spPr>
+      <dsp:style>
+        <a:lnRef idx="2">
+          <a:scrgbClr r="0" g="0" b="0"/>
+        </a:lnRef>
+        <a:fillRef idx="1">
+          <a:scrgbClr r="0" g="0" b="0"/>
+        </a:fillRef>
+        <a:effectRef idx="0">
+          <a:scrgbClr r="0" g="0" b="0"/>
+        </a:effectRef>
+        <a:fontRef idx="minor"/>
+      </dsp:style>
+    </dsp:sp>
+    <dsp:sp modelId="{BE058CB7-68BC-4BE9-90B9-862908B038D4}">
+      <dsp:nvSpPr>
+        <dsp:cNvPr id="0" name=""/>
+        <dsp:cNvSpPr/>
+      </dsp:nvSpPr>
+      <dsp:spPr>
+        <a:xfrm>
+          <a:off x="934441" y="1766901"/>
+          <a:ext cx="6057441" cy="883450"/>
+        </a:xfrm>
+        <a:prstGeom prst="rect">
+          <a:avLst/>
+        </a:prstGeom>
+        <a:solidFill>
+          <a:schemeClr val="accent1">
+            <a:hueOff val="0"/>
+            <a:satOff val="0"/>
+            <a:lumOff val="0"/>
+            <a:alphaOff val="0"/>
+          </a:schemeClr>
+        </a:solidFill>
+        <a:ln w="19050" cap="rnd" cmpd="sng" algn="ctr">
+          <a:solidFill>
+            <a:schemeClr val="lt1">
+              <a:hueOff val="0"/>
+              <a:satOff val="0"/>
+              <a:lumOff val="0"/>
+              <a:alphaOff val="0"/>
+            </a:schemeClr>
+          </a:solidFill>
+          <a:prstDash val="solid"/>
+        </a:ln>
+        <a:effectLst/>
+      </dsp:spPr>
+      <dsp:style>
+        <a:lnRef idx="2">
+          <a:scrgbClr r="0" g="0" b="0"/>
+        </a:lnRef>
+        <a:fillRef idx="1">
+          <a:scrgbClr r="0" g="0" b="0"/>
+        </a:fillRef>
+        <a:effectRef idx="0">
+          <a:scrgbClr r="0" g="0" b="0"/>
+        </a:effectRef>
+        <a:fontRef idx="minor">
+          <a:schemeClr val="lt1"/>
+        </a:fontRef>
+      </dsp:style>
+      <dsp:txBody>
+        <a:bodyPr spcFirstLastPara="0" vert="horz" wrap="square" lIns="701239" tIns="104140" rIns="104140" bIns="104140" numCol="1" spcCol="1270" anchor="ctr" anchorCtr="0">
+          <a:noAutofit/>
+        </a:bodyPr>
+        <a:lstStyle/>
+        <a:p>
+          <a:pPr lvl="0" algn="l" defTabSz="1822450">
+            <a:lnSpc>
+              <a:spcPct val="90000"/>
+            </a:lnSpc>
+            <a:spcBef>
+              <a:spcPct val="0"/>
+            </a:spcBef>
+            <a:spcAft>
+              <a:spcPct val="35000"/>
+            </a:spcAft>
+          </a:pPr>
+          <a:r>
+            <a:rPr lang="zh-CN" altLang="en-US" sz="4100" kern="1200" dirty="0" smtClean="0"/>
+            <a:t>分支管理容易，运行快</a:t>
+          </a:r>
+          <a:endParaRPr lang="zh-CN" altLang="en-US" sz="4100" kern="1200" dirty="0"/>
+        </a:p>
+      </dsp:txBody>
+      <dsp:txXfrm>
+        <a:off x="934441" y="1766901"/>
+        <a:ext cx="6057441" cy="883450"/>
+      </dsp:txXfrm>
+    </dsp:sp>
+    <dsp:sp modelId="{FA6FEE8B-8DBC-4B53-AD04-38F9097825E8}">
+      <dsp:nvSpPr>
+        <dsp:cNvPr id="0" name=""/>
+        <dsp:cNvSpPr/>
+      </dsp:nvSpPr>
+      <dsp:spPr>
+        <a:xfrm>
+          <a:off x="382284" y="1656470"/>
+          <a:ext cx="1104313" cy="1104313"/>
+        </a:xfrm>
+        <a:prstGeom prst="ellipse">
+          <a:avLst/>
+        </a:prstGeom>
+        <a:solidFill>
+          <a:schemeClr val="lt1">
+            <a:hueOff val="0"/>
+            <a:satOff val="0"/>
+            <a:lumOff val="0"/>
+            <a:alphaOff val="0"/>
+          </a:schemeClr>
+        </a:solidFill>
+        <a:ln w="19050" cap="rnd" cmpd="sng" algn="ctr">
+          <a:solidFill>
+            <a:schemeClr val="accent1">
+              <a:hueOff val="0"/>
+              <a:satOff val="0"/>
+              <a:lumOff val="0"/>
+              <a:alphaOff val="0"/>
+            </a:schemeClr>
+          </a:solidFill>
+          <a:prstDash val="solid"/>
+        </a:ln>
+        <a:effectLst/>
+      </dsp:spPr>
+      <dsp:style>
+        <a:lnRef idx="2">
+          <a:scrgbClr r="0" g="0" b="0"/>
+        </a:lnRef>
+        <a:fillRef idx="1">
+          <a:scrgbClr r="0" g="0" b="0"/>
+        </a:fillRef>
+        <a:effectRef idx="0">
+          <a:scrgbClr r="0" g="0" b="0"/>
+        </a:effectRef>
+        <a:fontRef idx="minor"/>
+      </dsp:style>
+    </dsp:sp>
+    <dsp:sp modelId="{9BACCC18-AFC3-446C-911E-D82D3364BAAD}">
+      <dsp:nvSpPr>
+        <dsp:cNvPr id="0" name=""/>
+        <dsp:cNvSpPr/>
+      </dsp:nvSpPr>
+      <dsp:spPr>
+        <a:xfrm>
+          <a:off x="613307" y="3092077"/>
+          <a:ext cx="6378576" cy="883450"/>
+        </a:xfrm>
+        <a:prstGeom prst="rect">
+          <a:avLst/>
+        </a:prstGeom>
+        <a:solidFill>
+          <a:schemeClr val="accent1">
+            <a:hueOff val="0"/>
+            <a:satOff val="0"/>
+            <a:lumOff val="0"/>
+            <a:alphaOff val="0"/>
+          </a:schemeClr>
+        </a:solidFill>
+        <a:ln w="19050" cap="rnd" cmpd="sng" algn="ctr">
+          <a:solidFill>
+            <a:schemeClr val="lt1">
+              <a:hueOff val="0"/>
+              <a:satOff val="0"/>
+              <a:lumOff val="0"/>
+              <a:alphaOff val="0"/>
+            </a:schemeClr>
+          </a:solidFill>
+          <a:prstDash val="solid"/>
+        </a:ln>
+        <a:effectLst/>
+      </dsp:spPr>
+      <dsp:style>
+        <a:lnRef idx="2">
+          <a:scrgbClr r="0" g="0" b="0"/>
+        </a:lnRef>
+        <a:fillRef idx="1">
+          <a:scrgbClr r="0" g="0" b="0"/>
+        </a:fillRef>
+        <a:effectRef idx="0">
+          <a:scrgbClr r="0" g="0" b="0"/>
+        </a:effectRef>
+        <a:fontRef idx="minor">
+          <a:schemeClr val="lt1"/>
+        </a:fontRef>
+      </dsp:style>
+      <dsp:txBody>
+        <a:bodyPr spcFirstLastPara="0" vert="horz" wrap="square" lIns="701239" tIns="104140" rIns="104140" bIns="104140" numCol="1" spcCol="1270" anchor="ctr" anchorCtr="0">
+          <a:noAutofit/>
+        </a:bodyPr>
+        <a:lstStyle/>
+        <a:p>
+          <a:pPr lvl="0" algn="l" defTabSz="1822450">
+            <a:lnSpc>
+              <a:spcPct val="90000"/>
+            </a:lnSpc>
+            <a:spcBef>
+              <a:spcPct val="0"/>
+            </a:spcBef>
+            <a:spcAft>
+              <a:spcPct val="35000"/>
+            </a:spcAft>
+          </a:pPr>
+          <a:r>
+            <a:rPr lang="zh-CN" altLang="en-US" sz="4100" b="0" i="0" kern="1200" dirty="0" smtClean="0"/>
+            <a:t>最快、最简单也最流行。</a:t>
+          </a:r>
+          <a:endParaRPr lang="zh-CN" altLang="en-US" sz="4100" kern="1200" dirty="0"/>
+        </a:p>
+      </dsp:txBody>
+      <dsp:txXfrm>
+        <a:off x="613307" y="3092077"/>
+        <a:ext cx="6378576" cy="883450"/>
+      </dsp:txXfrm>
+    </dsp:sp>
+    <dsp:sp modelId="{A35CE09D-1BA5-491C-823C-31BE2AC2D8E0}">
+      <dsp:nvSpPr>
+        <dsp:cNvPr id="0" name=""/>
+        <dsp:cNvSpPr/>
+      </dsp:nvSpPr>
+      <dsp:spPr>
+        <a:xfrm>
+          <a:off x="61150" y="2981646"/>
+          <a:ext cx="1104313" cy="1104313"/>
+        </a:xfrm>
+        <a:prstGeom prst="ellipse">
+          <a:avLst/>
+        </a:prstGeom>
+        <a:solidFill>
+          <a:schemeClr val="lt1">
+            <a:hueOff val="0"/>
+            <a:satOff val="0"/>
+            <a:lumOff val="0"/>
+            <a:alphaOff val="0"/>
+          </a:schemeClr>
+        </a:solidFill>
+        <a:ln w="19050" cap="rnd" cmpd="sng" algn="ctr">
+          <a:solidFill>
+            <a:schemeClr val="accent1">
+              <a:hueOff val="0"/>
+              <a:satOff val="0"/>
+              <a:lumOff val="0"/>
+              <a:alphaOff val="0"/>
+            </a:schemeClr>
+          </a:solidFill>
+          <a:prstDash val="solid"/>
+        </a:ln>
+        <a:effectLst/>
+      </dsp:spPr>
+      <dsp:style>
+        <a:lnRef idx="2">
+          <a:scrgbClr r="0" g="0" b="0"/>
+        </a:lnRef>
+        <a:fillRef idx="1">
+          <a:scrgbClr r="0" g="0" b="0"/>
+        </a:fillRef>
+        <a:effectRef idx="0">
+          <a:scrgbClr r="0" g="0" b="0"/>
+        </a:effectRef>
+        <a:fontRef idx="minor"/>
+      </dsp:style>
+    </dsp:sp>
   </dsp:spTree>
 </dsp:drawing>
 </file>
@@ -2544,6 +2962,782 @@
       <dsp:cNvGrpSpPr/>
     </dsp:nvGrpSpPr>
     <dsp:grpSpPr/>
+    <dsp:sp modelId="{E3B223A0-5615-4431-8603-1B13351DC13A}">
+      <dsp:nvSpPr>
+        <dsp:cNvPr id="0" name=""/>
+        <dsp:cNvSpPr/>
+      </dsp:nvSpPr>
+      <dsp:spPr>
+        <a:xfrm>
+          <a:off x="4067" y="0"/>
+          <a:ext cx="3913187" cy="5418667"/>
+        </a:xfrm>
+        <a:prstGeom prst="roundRect">
+          <a:avLst>
+            <a:gd name="adj" fmla="val 10000"/>
+          </a:avLst>
+        </a:prstGeom>
+        <a:solidFill>
+          <a:schemeClr val="accent1">
+            <a:tint val="40000"/>
+            <a:hueOff val="0"/>
+            <a:satOff val="0"/>
+            <a:lumOff val="0"/>
+            <a:alphaOff val="0"/>
+          </a:schemeClr>
+        </a:solidFill>
+        <a:ln>
+          <a:noFill/>
+        </a:ln>
+        <a:effectLst/>
+      </dsp:spPr>
+      <dsp:style>
+        <a:lnRef idx="0">
+          <a:scrgbClr r="0" g="0" b="0"/>
+        </a:lnRef>
+        <a:fillRef idx="1">
+          <a:scrgbClr r="0" g="0" b="0"/>
+        </a:fillRef>
+        <a:effectRef idx="0">
+          <a:scrgbClr r="0" g="0" b="0"/>
+        </a:effectRef>
+        <a:fontRef idx="minor"/>
+      </dsp:style>
+      <dsp:txBody>
+        <a:bodyPr spcFirstLastPara="0" vert="horz" wrap="square" lIns="247650" tIns="247650" rIns="247650" bIns="247650" numCol="1" spcCol="1270" anchor="ctr" anchorCtr="0">
+          <a:noAutofit/>
+        </a:bodyPr>
+        <a:lstStyle/>
+        <a:p>
+          <a:pPr lvl="0" algn="ctr" defTabSz="2889250">
+            <a:lnSpc>
+              <a:spcPct val="90000"/>
+            </a:lnSpc>
+            <a:spcBef>
+              <a:spcPct val="0"/>
+            </a:spcBef>
+            <a:spcAft>
+              <a:spcPct val="35000"/>
+            </a:spcAft>
+          </a:pPr>
+          <a:r>
+            <a:rPr lang="en-US" altLang="zh-CN" sz="6500" kern="1200" dirty="0" smtClean="0"/>
+            <a:t>GIT</a:t>
+          </a:r>
+          <a:endParaRPr lang="zh-CN" altLang="en-US" sz="6500" kern="1200" dirty="0"/>
+        </a:p>
+      </dsp:txBody>
+      <dsp:txXfrm>
+        <a:off x="4067" y="0"/>
+        <a:ext cx="3913187" cy="1625600"/>
+      </dsp:txXfrm>
+    </dsp:sp>
+    <dsp:sp modelId="{4AC6D75A-B486-4D21-8D20-B3B8E21F0574}">
+      <dsp:nvSpPr>
+        <dsp:cNvPr id="0" name=""/>
+        <dsp:cNvSpPr/>
+      </dsp:nvSpPr>
+      <dsp:spPr>
+        <a:xfrm>
+          <a:off x="395386" y="1625732"/>
+          <a:ext cx="3130549" cy="789384"/>
+        </a:xfrm>
+        <a:prstGeom prst="roundRect">
+          <a:avLst>
+            <a:gd name="adj" fmla="val 10000"/>
+          </a:avLst>
+        </a:prstGeom>
+        <a:solidFill>
+          <a:schemeClr val="accent1">
+            <a:hueOff val="0"/>
+            <a:satOff val="0"/>
+            <a:lumOff val="0"/>
+            <a:alphaOff val="0"/>
+          </a:schemeClr>
+        </a:solidFill>
+        <a:ln w="19050" cap="rnd" cmpd="sng" algn="ctr">
+          <a:solidFill>
+            <a:schemeClr val="lt1">
+              <a:hueOff val="0"/>
+              <a:satOff val="0"/>
+              <a:lumOff val="0"/>
+              <a:alphaOff val="0"/>
+            </a:schemeClr>
+          </a:solidFill>
+          <a:prstDash val="solid"/>
+        </a:ln>
+        <a:effectLst/>
+      </dsp:spPr>
+      <dsp:style>
+        <a:lnRef idx="2">
+          <a:scrgbClr r="0" g="0" b="0"/>
+        </a:lnRef>
+        <a:fillRef idx="1">
+          <a:scrgbClr r="0" g="0" b="0"/>
+        </a:fillRef>
+        <a:effectRef idx="0">
+          <a:scrgbClr r="0" g="0" b="0"/>
+        </a:effectRef>
+        <a:fontRef idx="minor">
+          <a:schemeClr val="lt1"/>
+        </a:fontRef>
+      </dsp:style>
+      <dsp:txBody>
+        <a:bodyPr spcFirstLastPara="0" vert="horz" wrap="square" lIns="55880" tIns="41910" rIns="55880" bIns="41910" numCol="1" spcCol="1270" anchor="ctr" anchorCtr="0">
+          <a:noAutofit/>
+        </a:bodyPr>
+        <a:lstStyle/>
+        <a:p>
+          <a:pPr lvl="0" algn="ctr" defTabSz="977900">
+            <a:lnSpc>
+              <a:spcPct val="90000"/>
+            </a:lnSpc>
+            <a:spcBef>
+              <a:spcPct val="0"/>
+            </a:spcBef>
+            <a:spcAft>
+              <a:spcPct val="35000"/>
+            </a:spcAft>
+          </a:pPr>
+          <a:r>
+            <a:rPr lang="zh-CN" altLang="en-US" sz="2200" b="1" i="0" kern="1200" dirty="0" smtClean="0"/>
+            <a:t>分布式的</a:t>
+          </a:r>
+          <a:endParaRPr lang="zh-CN" altLang="en-US" sz="2200" kern="1200" dirty="0"/>
+        </a:p>
+      </dsp:txBody>
+      <dsp:txXfrm>
+        <a:off x="418506" y="1648852"/>
+        <a:ext cx="3084309" cy="743144"/>
+      </dsp:txXfrm>
+    </dsp:sp>
+    <dsp:sp modelId="{D746749D-A9E0-40C3-9A3A-B3A1463F9355}">
+      <dsp:nvSpPr>
+        <dsp:cNvPr id="0" name=""/>
+        <dsp:cNvSpPr/>
+      </dsp:nvSpPr>
+      <dsp:spPr>
+        <a:xfrm>
+          <a:off x="395386" y="2536560"/>
+          <a:ext cx="3130549" cy="789384"/>
+        </a:xfrm>
+        <a:prstGeom prst="roundRect">
+          <a:avLst>
+            <a:gd name="adj" fmla="val 10000"/>
+          </a:avLst>
+        </a:prstGeom>
+        <a:solidFill>
+          <a:schemeClr val="accent1">
+            <a:hueOff val="0"/>
+            <a:satOff val="0"/>
+            <a:lumOff val="0"/>
+            <a:alphaOff val="0"/>
+          </a:schemeClr>
+        </a:solidFill>
+        <a:ln w="19050" cap="rnd" cmpd="sng" algn="ctr">
+          <a:solidFill>
+            <a:schemeClr val="lt1">
+              <a:hueOff val="0"/>
+              <a:satOff val="0"/>
+              <a:lumOff val="0"/>
+              <a:alphaOff val="0"/>
+            </a:schemeClr>
+          </a:solidFill>
+          <a:prstDash val="solid"/>
+        </a:ln>
+        <a:effectLst/>
+      </dsp:spPr>
+      <dsp:style>
+        <a:lnRef idx="2">
+          <a:scrgbClr r="0" g="0" b="0"/>
+        </a:lnRef>
+        <a:fillRef idx="1">
+          <a:scrgbClr r="0" g="0" b="0"/>
+        </a:fillRef>
+        <a:effectRef idx="0">
+          <a:scrgbClr r="0" g="0" b="0"/>
+        </a:effectRef>
+        <a:fontRef idx="minor">
+          <a:schemeClr val="lt1"/>
+        </a:fontRef>
+      </dsp:style>
+      <dsp:txBody>
+        <a:bodyPr spcFirstLastPara="0" vert="horz" wrap="square" lIns="55880" tIns="41910" rIns="55880" bIns="41910" numCol="1" spcCol="1270" anchor="ctr" anchorCtr="0">
+          <a:noAutofit/>
+        </a:bodyPr>
+        <a:lstStyle/>
+        <a:p>
+          <a:pPr lvl="0" algn="ctr" defTabSz="977900">
+            <a:lnSpc>
+              <a:spcPct val="90000"/>
+            </a:lnSpc>
+            <a:spcBef>
+              <a:spcPct val="0"/>
+            </a:spcBef>
+            <a:spcAft>
+              <a:spcPct val="35000"/>
+            </a:spcAft>
+          </a:pPr>
+          <a:r>
+            <a:rPr lang="zh-CN" altLang="en-US" sz="2200" b="1" i="0" kern="1200" dirty="0" smtClean="0"/>
+            <a:t>内容按元数据方式存储</a:t>
+          </a:r>
+          <a:endParaRPr lang="zh-CN" altLang="en-US" sz="2200" kern="1200" dirty="0"/>
+        </a:p>
+      </dsp:txBody>
+      <dsp:txXfrm>
+        <a:off x="418506" y="2559680"/>
+        <a:ext cx="3084309" cy="743144"/>
+      </dsp:txXfrm>
+    </dsp:sp>
+    <dsp:sp modelId="{D55B1E2F-0357-41C6-AC5A-2EC3280C89CC}">
+      <dsp:nvSpPr>
+        <dsp:cNvPr id="0" name=""/>
+        <dsp:cNvSpPr/>
+      </dsp:nvSpPr>
+      <dsp:spPr>
+        <a:xfrm>
+          <a:off x="395386" y="3447388"/>
+          <a:ext cx="3130549" cy="789384"/>
+        </a:xfrm>
+        <a:prstGeom prst="roundRect">
+          <a:avLst>
+            <a:gd name="adj" fmla="val 10000"/>
+          </a:avLst>
+        </a:prstGeom>
+        <a:solidFill>
+          <a:schemeClr val="accent1">
+            <a:hueOff val="0"/>
+            <a:satOff val="0"/>
+            <a:lumOff val="0"/>
+            <a:alphaOff val="0"/>
+          </a:schemeClr>
+        </a:solidFill>
+        <a:ln w="19050" cap="rnd" cmpd="sng" algn="ctr">
+          <a:solidFill>
+            <a:schemeClr val="lt1">
+              <a:hueOff val="0"/>
+              <a:satOff val="0"/>
+              <a:lumOff val="0"/>
+              <a:alphaOff val="0"/>
+            </a:schemeClr>
+          </a:solidFill>
+          <a:prstDash val="solid"/>
+        </a:ln>
+        <a:effectLst/>
+      </dsp:spPr>
+      <dsp:style>
+        <a:lnRef idx="2">
+          <a:scrgbClr r="0" g="0" b="0"/>
+        </a:lnRef>
+        <a:fillRef idx="1">
+          <a:scrgbClr r="0" g="0" b="0"/>
+        </a:fillRef>
+        <a:effectRef idx="0">
+          <a:scrgbClr r="0" g="0" b="0"/>
+        </a:effectRef>
+        <a:fontRef idx="minor">
+          <a:schemeClr val="lt1"/>
+        </a:fontRef>
+      </dsp:style>
+      <dsp:txBody>
+        <a:bodyPr spcFirstLastPara="0" vert="horz" wrap="square" lIns="55880" tIns="41910" rIns="55880" bIns="41910" numCol="1" spcCol="1270" anchor="ctr" anchorCtr="0">
+          <a:noAutofit/>
+        </a:bodyPr>
+        <a:lstStyle/>
+        <a:p>
+          <a:pPr lvl="0" algn="ctr" defTabSz="977900">
+            <a:lnSpc>
+              <a:spcPct val="90000"/>
+            </a:lnSpc>
+            <a:spcBef>
+              <a:spcPct val="0"/>
+            </a:spcBef>
+            <a:spcAft>
+              <a:spcPct val="35000"/>
+            </a:spcAft>
+          </a:pPr>
+          <a:r>
+            <a:rPr lang="zh-CN" altLang="en-US" sz="2200" kern="1200" dirty="0" smtClean="0"/>
+            <a:t>分支是看不见的只能切</a:t>
+          </a:r>
+          <a:endParaRPr lang="zh-CN" altLang="en-US" sz="2200" kern="1200" dirty="0"/>
+        </a:p>
+      </dsp:txBody>
+      <dsp:txXfrm>
+        <a:off x="418506" y="3470508"/>
+        <a:ext cx="3084309" cy="743144"/>
+      </dsp:txXfrm>
+    </dsp:sp>
+    <dsp:sp modelId="{8BFF45C1-E630-48FA-B993-DBC4DB55AF6C}">
+      <dsp:nvSpPr>
+        <dsp:cNvPr id="0" name=""/>
+        <dsp:cNvSpPr/>
+      </dsp:nvSpPr>
+      <dsp:spPr>
+        <a:xfrm>
+          <a:off x="395386" y="4358216"/>
+          <a:ext cx="3130549" cy="789384"/>
+        </a:xfrm>
+        <a:prstGeom prst="roundRect">
+          <a:avLst>
+            <a:gd name="adj" fmla="val 10000"/>
+          </a:avLst>
+        </a:prstGeom>
+        <a:solidFill>
+          <a:schemeClr val="accent1">
+            <a:hueOff val="0"/>
+            <a:satOff val="0"/>
+            <a:lumOff val="0"/>
+            <a:alphaOff val="0"/>
+          </a:schemeClr>
+        </a:solidFill>
+        <a:ln w="19050" cap="rnd" cmpd="sng" algn="ctr">
+          <a:solidFill>
+            <a:schemeClr val="lt1">
+              <a:hueOff val="0"/>
+              <a:satOff val="0"/>
+              <a:lumOff val="0"/>
+              <a:alphaOff val="0"/>
+            </a:schemeClr>
+          </a:solidFill>
+          <a:prstDash val="solid"/>
+        </a:ln>
+        <a:effectLst/>
+      </dsp:spPr>
+      <dsp:style>
+        <a:lnRef idx="2">
+          <a:scrgbClr r="0" g="0" b="0"/>
+        </a:lnRef>
+        <a:fillRef idx="1">
+          <a:scrgbClr r="0" g="0" b="0"/>
+        </a:fillRef>
+        <a:effectRef idx="0">
+          <a:scrgbClr r="0" g="0" b="0"/>
+        </a:effectRef>
+        <a:fontRef idx="minor">
+          <a:schemeClr val="lt1"/>
+        </a:fontRef>
+      </dsp:style>
+      <dsp:txBody>
+        <a:bodyPr spcFirstLastPara="0" vert="horz" wrap="square" lIns="55880" tIns="41910" rIns="55880" bIns="41910" numCol="1" spcCol="1270" anchor="ctr" anchorCtr="0">
+          <a:noAutofit/>
+        </a:bodyPr>
+        <a:lstStyle/>
+        <a:p>
+          <a:pPr lvl="0" algn="ctr" defTabSz="977900">
+            <a:lnSpc>
+              <a:spcPct val="90000"/>
+            </a:lnSpc>
+            <a:spcBef>
+              <a:spcPct val="0"/>
+            </a:spcBef>
+            <a:spcAft>
+              <a:spcPct val="35000"/>
+            </a:spcAft>
+          </a:pPr>
+          <a:r>
+            <a:rPr lang="zh-CN" altLang="en-US" sz="2200" kern="1200" dirty="0" smtClean="0"/>
+            <a:t>标签管理无版本号</a:t>
+          </a:r>
+          <a:endParaRPr lang="zh-CN" altLang="en-US" sz="2200" kern="1200" dirty="0"/>
+        </a:p>
+      </dsp:txBody>
+      <dsp:txXfrm>
+        <a:off x="418506" y="4381336"/>
+        <a:ext cx="3084309" cy="743144"/>
+      </dsp:txXfrm>
+    </dsp:sp>
+    <dsp:sp modelId="{526D6D77-9571-4E2B-A59C-EA8F9EB5F41B}">
+      <dsp:nvSpPr>
+        <dsp:cNvPr id="0" name=""/>
+        <dsp:cNvSpPr/>
+      </dsp:nvSpPr>
+      <dsp:spPr>
+        <a:xfrm>
+          <a:off x="4210744" y="0"/>
+          <a:ext cx="3913187" cy="5418667"/>
+        </a:xfrm>
+        <a:prstGeom prst="roundRect">
+          <a:avLst>
+            <a:gd name="adj" fmla="val 10000"/>
+          </a:avLst>
+        </a:prstGeom>
+        <a:solidFill>
+          <a:schemeClr val="accent1">
+            <a:tint val="40000"/>
+            <a:hueOff val="0"/>
+            <a:satOff val="0"/>
+            <a:lumOff val="0"/>
+            <a:alphaOff val="0"/>
+          </a:schemeClr>
+        </a:solidFill>
+        <a:ln>
+          <a:noFill/>
+        </a:ln>
+        <a:effectLst/>
+      </dsp:spPr>
+      <dsp:style>
+        <a:lnRef idx="0">
+          <a:scrgbClr r="0" g="0" b="0"/>
+        </a:lnRef>
+        <a:fillRef idx="1">
+          <a:scrgbClr r="0" g="0" b="0"/>
+        </a:fillRef>
+        <a:effectRef idx="0">
+          <a:scrgbClr r="0" g="0" b="0"/>
+        </a:effectRef>
+        <a:fontRef idx="minor"/>
+      </dsp:style>
+      <dsp:txBody>
+        <a:bodyPr spcFirstLastPara="0" vert="horz" wrap="square" lIns="247650" tIns="247650" rIns="247650" bIns="247650" numCol="1" spcCol="1270" anchor="ctr" anchorCtr="0">
+          <a:noAutofit/>
+        </a:bodyPr>
+        <a:lstStyle/>
+        <a:p>
+          <a:pPr lvl="0" algn="ctr" defTabSz="2889250">
+            <a:lnSpc>
+              <a:spcPct val="90000"/>
+            </a:lnSpc>
+            <a:spcBef>
+              <a:spcPct val="0"/>
+            </a:spcBef>
+            <a:spcAft>
+              <a:spcPct val="35000"/>
+            </a:spcAft>
+          </a:pPr>
+          <a:r>
+            <a:rPr lang="en-US" altLang="zh-CN" sz="6500" kern="1200" dirty="0" smtClean="0"/>
+            <a:t>SVN</a:t>
+          </a:r>
+          <a:endParaRPr lang="zh-CN" altLang="en-US" sz="6500" kern="1200" dirty="0"/>
+        </a:p>
+      </dsp:txBody>
+      <dsp:txXfrm>
+        <a:off x="4210744" y="0"/>
+        <a:ext cx="3913187" cy="1625600"/>
+      </dsp:txXfrm>
+    </dsp:sp>
+    <dsp:sp modelId="{1F1AB347-9F92-49C1-8DAC-CB9FED59EC65}">
+      <dsp:nvSpPr>
+        <dsp:cNvPr id="0" name=""/>
+        <dsp:cNvSpPr/>
+      </dsp:nvSpPr>
+      <dsp:spPr>
+        <a:xfrm>
+          <a:off x="4602063" y="1625732"/>
+          <a:ext cx="3130549" cy="789384"/>
+        </a:xfrm>
+        <a:prstGeom prst="roundRect">
+          <a:avLst>
+            <a:gd name="adj" fmla="val 10000"/>
+          </a:avLst>
+        </a:prstGeom>
+        <a:solidFill>
+          <a:schemeClr val="accent1">
+            <a:hueOff val="0"/>
+            <a:satOff val="0"/>
+            <a:lumOff val="0"/>
+            <a:alphaOff val="0"/>
+          </a:schemeClr>
+        </a:solidFill>
+        <a:ln w="19050" cap="rnd" cmpd="sng" algn="ctr">
+          <a:solidFill>
+            <a:schemeClr val="lt1">
+              <a:hueOff val="0"/>
+              <a:satOff val="0"/>
+              <a:lumOff val="0"/>
+              <a:alphaOff val="0"/>
+            </a:schemeClr>
+          </a:solidFill>
+          <a:prstDash val="solid"/>
+        </a:ln>
+        <a:effectLst/>
+      </dsp:spPr>
+      <dsp:style>
+        <a:lnRef idx="2">
+          <a:scrgbClr r="0" g="0" b="0"/>
+        </a:lnRef>
+        <a:fillRef idx="1">
+          <a:scrgbClr r="0" g="0" b="0"/>
+        </a:fillRef>
+        <a:effectRef idx="0">
+          <a:scrgbClr r="0" g="0" b="0"/>
+        </a:effectRef>
+        <a:fontRef idx="minor">
+          <a:schemeClr val="lt1"/>
+        </a:fontRef>
+      </dsp:style>
+      <dsp:txBody>
+        <a:bodyPr spcFirstLastPara="0" vert="horz" wrap="square" lIns="55880" tIns="41910" rIns="55880" bIns="41910" numCol="1" spcCol="1270" anchor="ctr" anchorCtr="0">
+          <a:noAutofit/>
+        </a:bodyPr>
+        <a:lstStyle/>
+        <a:p>
+          <a:pPr lvl="0" algn="ctr" defTabSz="977900">
+            <a:lnSpc>
+              <a:spcPct val="90000"/>
+            </a:lnSpc>
+            <a:spcBef>
+              <a:spcPct val="0"/>
+            </a:spcBef>
+            <a:spcAft>
+              <a:spcPct val="35000"/>
+            </a:spcAft>
+          </a:pPr>
+          <a:r>
+            <a:rPr lang="zh-CN" altLang="en-US" sz="2200" kern="1200" dirty="0" smtClean="0"/>
+            <a:t>集中式的</a:t>
+          </a:r>
+          <a:endParaRPr lang="zh-CN" altLang="en-US" sz="2200" kern="1200" dirty="0"/>
+        </a:p>
+      </dsp:txBody>
+      <dsp:txXfrm>
+        <a:off x="4625183" y="1648852"/>
+        <a:ext cx="3084309" cy="743144"/>
+      </dsp:txXfrm>
+    </dsp:sp>
+    <dsp:sp modelId="{1C7CDF33-2D5F-4E15-A946-F9EE30F79028}">
+      <dsp:nvSpPr>
+        <dsp:cNvPr id="0" name=""/>
+        <dsp:cNvSpPr/>
+      </dsp:nvSpPr>
+      <dsp:spPr>
+        <a:xfrm>
+          <a:off x="4602063" y="2536560"/>
+          <a:ext cx="3130549" cy="789384"/>
+        </a:xfrm>
+        <a:prstGeom prst="roundRect">
+          <a:avLst>
+            <a:gd name="adj" fmla="val 10000"/>
+          </a:avLst>
+        </a:prstGeom>
+        <a:solidFill>
+          <a:schemeClr val="accent1">
+            <a:hueOff val="0"/>
+            <a:satOff val="0"/>
+            <a:lumOff val="0"/>
+            <a:alphaOff val="0"/>
+          </a:schemeClr>
+        </a:solidFill>
+        <a:ln w="19050" cap="rnd" cmpd="sng" algn="ctr">
+          <a:solidFill>
+            <a:schemeClr val="lt1">
+              <a:hueOff val="0"/>
+              <a:satOff val="0"/>
+              <a:lumOff val="0"/>
+              <a:alphaOff val="0"/>
+            </a:schemeClr>
+          </a:solidFill>
+          <a:prstDash val="solid"/>
+        </a:ln>
+        <a:effectLst/>
+      </dsp:spPr>
+      <dsp:style>
+        <a:lnRef idx="2">
+          <a:scrgbClr r="0" g="0" b="0"/>
+        </a:lnRef>
+        <a:fillRef idx="1">
+          <a:scrgbClr r="0" g="0" b="0"/>
+        </a:fillRef>
+        <a:effectRef idx="0">
+          <a:scrgbClr r="0" g="0" b="0"/>
+        </a:effectRef>
+        <a:fontRef idx="minor">
+          <a:schemeClr val="lt1"/>
+        </a:fontRef>
+      </dsp:style>
+      <dsp:txBody>
+        <a:bodyPr spcFirstLastPara="0" vert="horz" wrap="square" lIns="55880" tIns="41910" rIns="55880" bIns="41910" numCol="1" spcCol="1270" anchor="ctr" anchorCtr="0">
+          <a:noAutofit/>
+        </a:bodyPr>
+        <a:lstStyle/>
+        <a:p>
+          <a:pPr lvl="0" algn="ctr" defTabSz="977900">
+            <a:lnSpc>
+              <a:spcPct val="90000"/>
+            </a:lnSpc>
+            <a:spcBef>
+              <a:spcPct val="0"/>
+            </a:spcBef>
+            <a:spcAft>
+              <a:spcPct val="35000"/>
+            </a:spcAft>
+          </a:pPr>
+          <a:r>
+            <a:rPr lang="zh-CN" altLang="en-US" sz="2200" kern="1200" dirty="0" smtClean="0"/>
+            <a:t>文件存储</a:t>
+          </a:r>
+          <a:endParaRPr lang="en-US" altLang="zh-CN" sz="2200" kern="1200" dirty="0" smtClean="0"/>
+        </a:p>
+      </dsp:txBody>
+      <dsp:txXfrm>
+        <a:off x="4625183" y="2559680"/>
+        <a:ext cx="3084309" cy="743144"/>
+      </dsp:txXfrm>
+    </dsp:sp>
+    <dsp:sp modelId="{28E1BABB-8633-4022-BCB0-EF9C78FED063}">
+      <dsp:nvSpPr>
+        <dsp:cNvPr id="0" name=""/>
+        <dsp:cNvSpPr/>
+      </dsp:nvSpPr>
+      <dsp:spPr>
+        <a:xfrm>
+          <a:off x="4602063" y="3447388"/>
+          <a:ext cx="3130549" cy="789384"/>
+        </a:xfrm>
+        <a:prstGeom prst="roundRect">
+          <a:avLst>
+            <a:gd name="adj" fmla="val 10000"/>
+          </a:avLst>
+        </a:prstGeom>
+        <a:solidFill>
+          <a:schemeClr val="accent1">
+            <a:hueOff val="0"/>
+            <a:satOff val="0"/>
+            <a:lumOff val="0"/>
+            <a:alphaOff val="0"/>
+          </a:schemeClr>
+        </a:solidFill>
+        <a:ln w="19050" cap="rnd" cmpd="sng" algn="ctr">
+          <a:solidFill>
+            <a:schemeClr val="lt1">
+              <a:hueOff val="0"/>
+              <a:satOff val="0"/>
+              <a:lumOff val="0"/>
+              <a:alphaOff val="0"/>
+            </a:schemeClr>
+          </a:solidFill>
+          <a:prstDash val="solid"/>
+        </a:ln>
+        <a:effectLst/>
+      </dsp:spPr>
+      <dsp:style>
+        <a:lnRef idx="2">
+          <a:scrgbClr r="0" g="0" b="0"/>
+        </a:lnRef>
+        <a:fillRef idx="1">
+          <a:scrgbClr r="0" g="0" b="0"/>
+        </a:fillRef>
+        <a:effectRef idx="0">
+          <a:scrgbClr r="0" g="0" b="0"/>
+        </a:effectRef>
+        <a:fontRef idx="minor">
+          <a:schemeClr val="lt1"/>
+        </a:fontRef>
+      </dsp:style>
+      <dsp:txBody>
+        <a:bodyPr spcFirstLastPara="0" vert="horz" wrap="square" lIns="55880" tIns="41910" rIns="55880" bIns="41910" numCol="1" spcCol="1270" anchor="ctr" anchorCtr="0">
+          <a:noAutofit/>
+        </a:bodyPr>
+        <a:lstStyle/>
+        <a:p>
+          <a:pPr lvl="0" algn="ctr" defTabSz="977900">
+            <a:lnSpc>
+              <a:spcPct val="90000"/>
+            </a:lnSpc>
+            <a:spcBef>
+              <a:spcPct val="0"/>
+            </a:spcBef>
+            <a:spcAft>
+              <a:spcPct val="35000"/>
+            </a:spcAft>
+          </a:pPr>
+          <a:r>
+            <a:rPr lang="zh-CN" altLang="en-US" sz="2200" kern="1200" dirty="0" smtClean="0"/>
+            <a:t>分支</a:t>
+          </a:r>
+          <a:r>
+            <a:rPr lang="zh-CN" altLang="en-US" sz="2200" b="0" i="0" kern="1200" dirty="0" smtClean="0"/>
+            <a:t>就是版本库中的另外一个目录</a:t>
+          </a:r>
+          <a:endParaRPr lang="en-US" altLang="zh-CN" sz="2200" kern="1200" dirty="0" smtClean="0"/>
+        </a:p>
+      </dsp:txBody>
+      <dsp:txXfrm>
+        <a:off x="4625183" y="3470508"/>
+        <a:ext cx="3084309" cy="743144"/>
+      </dsp:txXfrm>
+    </dsp:sp>
+    <dsp:sp modelId="{5E7382F0-C540-4769-A5CC-D03FCF74F15C}">
+      <dsp:nvSpPr>
+        <dsp:cNvPr id="0" name=""/>
+        <dsp:cNvSpPr/>
+      </dsp:nvSpPr>
+      <dsp:spPr>
+        <a:xfrm>
+          <a:off x="4602063" y="4358216"/>
+          <a:ext cx="3130549" cy="789384"/>
+        </a:xfrm>
+        <a:prstGeom prst="roundRect">
+          <a:avLst>
+            <a:gd name="adj" fmla="val 10000"/>
+          </a:avLst>
+        </a:prstGeom>
+        <a:solidFill>
+          <a:schemeClr val="accent1">
+            <a:hueOff val="0"/>
+            <a:satOff val="0"/>
+            <a:lumOff val="0"/>
+            <a:alphaOff val="0"/>
+          </a:schemeClr>
+        </a:solidFill>
+        <a:ln w="19050" cap="rnd" cmpd="sng" algn="ctr">
+          <a:solidFill>
+            <a:schemeClr val="lt1">
+              <a:hueOff val="0"/>
+              <a:satOff val="0"/>
+              <a:lumOff val="0"/>
+              <a:alphaOff val="0"/>
+            </a:schemeClr>
+          </a:solidFill>
+          <a:prstDash val="solid"/>
+        </a:ln>
+        <a:effectLst/>
+      </dsp:spPr>
+      <dsp:style>
+        <a:lnRef idx="2">
+          <a:scrgbClr r="0" g="0" b="0"/>
+        </a:lnRef>
+        <a:fillRef idx="1">
+          <a:scrgbClr r="0" g="0" b="0"/>
+        </a:fillRef>
+        <a:effectRef idx="0">
+          <a:scrgbClr r="0" g="0" b="0"/>
+        </a:effectRef>
+        <a:fontRef idx="minor">
+          <a:schemeClr val="lt1"/>
+        </a:fontRef>
+      </dsp:style>
+      <dsp:txBody>
+        <a:bodyPr spcFirstLastPara="0" vert="horz" wrap="square" lIns="55880" tIns="41910" rIns="55880" bIns="41910" numCol="1" spcCol="1270" anchor="ctr" anchorCtr="0">
+          <a:noAutofit/>
+        </a:bodyPr>
+        <a:lstStyle/>
+        <a:p>
+          <a:pPr lvl="0" algn="ctr" defTabSz="977900">
+            <a:lnSpc>
+              <a:spcPct val="90000"/>
+            </a:lnSpc>
+            <a:spcBef>
+              <a:spcPct val="0"/>
+            </a:spcBef>
+            <a:spcAft>
+              <a:spcPct val="35000"/>
+            </a:spcAft>
+          </a:pPr>
+          <a:r>
+            <a:rPr lang="zh-CN" altLang="en-US" sz="2200" b="1" i="0" kern="1200" dirty="0" smtClean="0"/>
+            <a:t>全局的版本号</a:t>
+          </a:r>
+          <a:endParaRPr lang="en-US" altLang="zh-CN" sz="2200" kern="1200" dirty="0" smtClean="0"/>
+        </a:p>
+      </dsp:txBody>
+      <dsp:txXfrm>
+        <a:off x="4625183" y="4381336"/>
+        <a:ext cx="3084309" cy="743144"/>
+      </dsp:txXfrm>
+    </dsp:sp>
   </dsp:spTree>
 </dsp:drawing>
 </file>
@@ -6203,7 +7397,7 @@
           <a:p>
             <a:fld id="{32E4EDBA-4BA9-49AF-BE3C-C8C2A9D41CC1}" type="datetimeFigureOut">
               <a:rPr lang="zh-CN" altLang="en-US" smtClean="0"/>
-              <a:t>2019/12/21</a:t>
+              <a:t>2020/8/17</a:t>
             </a:fld>
             <a:endParaRPr lang="zh-CN" altLang="en-US"/>
           </a:p>
@@ -6764,7 +7958,7 @@
           <a:p>
             <a:fld id="{BA8B083C-0ED2-415B-8813-116AC458564D}" type="datetime2">
               <a:rPr lang="zh-CN" altLang="en-US" smtClean="0"/>
-              <a:t>2019年12月21日</a:t>
+              <a:t>2020年8月17日</a:t>
             </a:fld>
             <a:endParaRPr lang="en-US" dirty="0"/>
           </a:p>
@@ -7068,7 +8262,7 @@
             <a:pPr rtl="0"/>
             <a:fld id="{F195E0BB-439C-4A69-B530-E73205BB0B18}" type="datetime2">
               <a:rPr lang="zh-CN" altLang="en-US" smtClean="0"/>
-              <a:t>2019年12月21日</a:t>
+              <a:t>2020年8月17日</a:t>
             </a:fld>
             <a:endParaRPr lang="en-US" dirty="0"/>
           </a:p>
@@ -7277,7 +8471,7 @@
             <a:pPr rtl="0"/>
             <a:fld id="{C62AB3EA-50E8-4BE6-959D-661FE71BB359}" type="datetime2">
               <a:rPr lang="zh-CN" altLang="en-US" smtClean="0"/>
-              <a:t>2019年12月21日</a:t>
+              <a:t>2020年8月17日</a:t>
             </a:fld>
             <a:endParaRPr lang="en-US" dirty="0"/>
           </a:p>
@@ -7632,7 +8826,7 @@
             <a:pPr rtl="0"/>
             <a:fld id="{48802954-9168-476F-A51E-2AB9B671FB59}" type="datetime2">
               <a:rPr lang="zh-CN" altLang="en-US" smtClean="0"/>
-              <a:t>2019年12月21日</a:t>
+              <a:t>2020年8月17日</a:t>
             </a:fld>
             <a:endParaRPr lang="en-US" dirty="0"/>
           </a:p>
@@ -7894,7 +9088,7 @@
             <a:pPr rtl="0"/>
             <a:fld id="{7C509D15-7CE5-4964-9FE6-C3E0F37DA94C}" type="datetime2">
               <a:rPr lang="zh-CN" altLang="en-US" smtClean="0"/>
-              <a:t>2019年12月21日</a:t>
+              <a:t>2020年8月17日</a:t>
             </a:fld>
             <a:endParaRPr lang="en-US" dirty="0"/>
           </a:p>
@@ -8213,7 +9407,7 @@
             <a:pPr rtl="0"/>
             <a:fld id="{18411F86-D48E-417F-9831-B6E62B1CEFDF}" type="datetime2">
               <a:rPr lang="zh-CN" altLang="en-US" smtClean="0"/>
-              <a:t>2019年12月21日</a:t>
+              <a:t>2020年8月17日</a:t>
             </a:fld>
             <a:endParaRPr lang="en-US" dirty="0"/>
           </a:p>
@@ -8499,7 +9693,7 @@
             <a:pPr rtl="0"/>
             <a:fld id="{48351FA4-6C0F-426C-9178-EC5A57CC3345}" type="datetime2">
               <a:rPr lang="zh-CN" altLang="en-US" smtClean="0"/>
-              <a:t>2019年12月21日</a:t>
+              <a:t>2020年8月17日</a:t>
             </a:fld>
             <a:endParaRPr lang="en-US" dirty="0"/>
           </a:p>
@@ -9137,7 +10331,7 @@
             <a:pPr rtl="0"/>
             <a:fld id="{CF242035-4B3B-41C5-ABD3-CCBF31A353B4}" type="datetime2">
               <a:rPr lang="zh-CN" altLang="en-US" smtClean="0"/>
-              <a:t>2019年12月21日</a:t>
+              <a:t>2020年8月17日</a:t>
             </a:fld>
             <a:endParaRPr lang="en-US" dirty="0"/>
           </a:p>
@@ -10015,7 +11209,7 @@
             <a:pPr rtl="0"/>
             <a:fld id="{F2CAE585-595F-461A-8F65-7E2E670689D3}" type="datetime2">
               <a:rPr lang="zh-CN" altLang="en-US" smtClean="0"/>
-              <a:t>2019年12月21日</a:t>
+              <a:t>2020年8月17日</a:t>
             </a:fld>
             <a:endParaRPr lang="en-US" dirty="0"/>
           </a:p>
@@ -10200,7 +11394,7 @@
             <a:pPr rtl="0"/>
             <a:fld id="{599A2B53-B1E8-4791-8072-FF89771F7508}" type="datetime2">
               <a:rPr lang="zh-CN" altLang="en-US" smtClean="0"/>
-              <a:t>2019年12月21日</a:t>
+              <a:t>2020年8月17日</a:t>
             </a:fld>
             <a:endParaRPr lang="en-US" dirty="0"/>
           </a:p>
@@ -10395,7 +11589,7 @@
             <a:pPr rtl="0"/>
             <a:fld id="{CECB647D-D206-4738-B07E-899B1BD1BE04}" type="datetime2">
               <a:rPr lang="zh-CN" altLang="en-US" smtClean="0"/>
-              <a:t>2019年12月21日</a:t>
+              <a:t>2020年8月17日</a:t>
             </a:fld>
             <a:endParaRPr lang="en-US" dirty="0"/>
           </a:p>
@@ -10580,7 +11774,7 @@
             <a:pPr rtl="0"/>
             <a:fld id="{10259553-4D05-4D21-9866-0A83622C17B6}" type="datetime2">
               <a:rPr lang="zh-CN" altLang="en-US" smtClean="0"/>
-              <a:t>2019年12月21日</a:t>
+              <a:t>2020年8月17日</a:t>
             </a:fld>
             <a:endParaRPr lang="en-US" dirty="0"/>
           </a:p>
@@ -10842,7 +12036,7 @@
             <a:pPr rtl="0"/>
             <a:fld id="{AD1CFE02-15F8-47F3-9CAA-BD04834B0E8C}" type="datetime2">
               <a:rPr lang="zh-CN" altLang="en-US" smtClean="0"/>
-              <a:t>2019年12月21日</a:t>
+              <a:t>2020年8月17日</a:t>
             </a:fld>
             <a:endParaRPr lang="en-US" dirty="0"/>
           </a:p>
@@ -11149,7 +12343,7 @@
             <a:pPr rtl="0"/>
             <a:fld id="{50A13562-FCC1-4AC0-BA70-83D893668EAF}" type="datetime2">
               <a:rPr lang="zh-CN" altLang="en-US" smtClean="0"/>
-              <a:t>2019年12月21日</a:t>
+              <a:t>2020年8月17日</a:t>
             </a:fld>
             <a:endParaRPr lang="en-US" dirty="0"/>
           </a:p>
@@ -11608,7 +12802,7 @@
             <a:pPr rtl="0"/>
             <a:fld id="{D038A849-0BC9-45EA-BD86-06FB4046DD02}" type="datetime2">
               <a:rPr lang="zh-CN" altLang="en-US" smtClean="0"/>
-              <a:t>2019年12月21日</a:t>
+              <a:t>2020年8月17日</a:t>
             </a:fld>
             <a:endParaRPr lang="en-US" dirty="0"/>
           </a:p>
@@ -11741,7 +12935,7 @@
             <a:pPr rtl="0"/>
             <a:fld id="{A701BB33-BFB7-443B-9409-FAE0AAB711FF}" type="datetime2">
               <a:rPr lang="zh-CN" altLang="en-US" smtClean="0"/>
-              <a:t>2019年12月21日</a:t>
+              <a:t>2020年8月17日</a:t>
             </a:fld>
             <a:endParaRPr lang="en-US" dirty="0"/>
           </a:p>
@@ -11850,7 +13044,7 @@
             <a:pPr rtl="0"/>
             <a:fld id="{E366E94F-C598-43FB-82A2-BE98DFCEDDE7}" type="datetime2">
               <a:rPr lang="zh-CN" altLang="en-US" smtClean="0"/>
-              <a:t>2019年12月21日</a:t>
+              <a:t>2020年8月17日</a:t>
             </a:fld>
             <a:endParaRPr lang="en-US" dirty="0"/>
           </a:p>
@@ -12144,7 +13338,7 @@
             <a:pPr rtl="0"/>
             <a:fld id="{65228012-AB95-4A57-8F15-12A26AC40FB7}" type="datetime2">
               <a:rPr lang="zh-CN" altLang="en-US" smtClean="0"/>
-              <a:t>2019年12月21日</a:t>
+              <a:t>2020年8月17日</a:t>
             </a:fld>
             <a:endParaRPr lang="en-US" dirty="0"/>
           </a:p>
@@ -12435,7 +13629,7 @@
             <a:pPr rtl="0"/>
             <a:fld id="{B04F5E26-5065-4CD1-9B33-82968662F21B}" type="datetime2">
               <a:rPr lang="zh-CN" altLang="en-US" smtClean="0"/>
-              <a:t>2019年12月21日</a:t>
+              <a:t>2020年8月17日</a:t>
             </a:fld>
             <a:endParaRPr lang="en-US" dirty="0"/>
           </a:p>
@@ -12852,7 +14046,7 @@
           <a:p>
             <a:fld id="{A74BD3B8-B893-41F6-9DA3-F52A6553165B}" type="datetime2">
               <a:rPr lang="zh-CN" altLang="en-US" smtClean="0"/>
-              <a:t>2019年12月21日</a:t>
+              <a:t>2020年8月17日</a:t>
             </a:fld>
             <a:endParaRPr lang="en-US" dirty="0"/>
           </a:p>
@@ -14442,6 +15636,361 @@
 </file>
 
 <file path=ppt/slides/slide12.xml><?xml version="1.0" encoding="utf-8"?>
+<p:sld xmlns:a="http://schemas.openxmlformats.org/drawingml/2006/main" xmlns:r="http://schemas.openxmlformats.org/officeDocument/2006/relationships" xmlns:p="http://schemas.openxmlformats.org/presentationml/2006/main">
+  <p:cSld>
+    <p:spTree>
+      <p:nvGrpSpPr>
+        <p:cNvPr id="1" name=""/>
+        <p:cNvGrpSpPr/>
+        <p:nvPr/>
+      </p:nvGrpSpPr>
+      <p:grpSpPr>
+        <a:xfrm>
+          <a:off x="0" y="0"/>
+          <a:ext cx="0" cy="0"/>
+          <a:chOff x="0" y="0"/>
+          <a:chExt cx="0" cy="0"/>
+        </a:xfrm>
+      </p:grpSpPr>
+      <p:sp>
+        <p:nvSpPr>
+          <p:cNvPr id="4" name="标题 1"/>
+          <p:cNvSpPr>
+            <a:spLocks noGrp="1"/>
+          </p:cNvSpPr>
+          <p:nvPr>
+            <p:ph type="title"/>
+          </p:nvPr>
+        </p:nvSpPr>
+        <p:spPr>
+          <a:xfrm>
+            <a:off x="646111" y="452718"/>
+            <a:ext cx="9404723" cy="796660"/>
+          </a:xfrm>
+        </p:spPr>
+        <p:txBody>
+          <a:bodyPr/>
+          <a:lstStyle/>
+          <a:p>
+            <a:r>
+              <a:rPr lang="zh-CN" altLang="en-US" dirty="0" smtClean="0"/>
+              <a:t>操作详解</a:t>
+            </a:r>
+            <a:endParaRPr lang="zh-CN" altLang="en-US" dirty="0"/>
+          </a:p>
+        </p:txBody>
+      </p:sp>
+      <p:sp>
+        <p:nvSpPr>
+          <p:cNvPr id="5" name="文本框 4"/>
+          <p:cNvSpPr txBox="1"/>
+          <p:nvPr/>
+        </p:nvSpPr>
+        <p:spPr>
+          <a:xfrm>
+            <a:off x="1351197" y="1194475"/>
+            <a:ext cx="3534701" cy="523220"/>
+          </a:xfrm>
+          <a:prstGeom prst="rect">
+            <a:avLst/>
+          </a:prstGeom>
+          <a:noFill/>
+        </p:spPr>
+        <p:txBody>
+          <a:bodyPr wrap="square" rtlCol="0">
+            <a:spAutoFit/>
+          </a:bodyPr>
+          <a:lstStyle/>
+          <a:p>
+            <a:r>
+              <a:rPr lang="zh-CN" altLang="en-US" sz="2800" dirty="0"/>
+              <a:t>忽略</a:t>
+            </a:r>
+            <a:r>
+              <a:rPr lang="zh-CN" altLang="en-US" sz="2800" dirty="0" smtClean="0"/>
+              <a:t>操作</a:t>
+            </a:r>
+            <a:endParaRPr lang="en-US" altLang="zh-CN" sz="2800" dirty="0" smtClean="0"/>
+          </a:p>
+        </p:txBody>
+      </p:sp>
+      <p:sp>
+        <p:nvSpPr>
+          <p:cNvPr id="8" name="矩形 7"/>
+          <p:cNvSpPr/>
+          <p:nvPr/>
+        </p:nvSpPr>
+        <p:spPr>
+          <a:xfrm>
+            <a:off x="1676777" y="1991135"/>
+            <a:ext cx="1896673" cy="369332"/>
+          </a:xfrm>
+          <a:prstGeom prst="rect">
+            <a:avLst/>
+          </a:prstGeom>
+        </p:spPr>
+        <p:txBody>
+          <a:bodyPr wrap="none">
+            <a:spAutoFit/>
+          </a:bodyPr>
+          <a:lstStyle/>
+          <a:p>
+            <a:r>
+              <a:rPr lang="en-US" altLang="zh-CN" dirty="0" smtClean="0"/>
+              <a:t>1.</a:t>
+            </a:r>
+            <a:r>
+              <a:rPr lang="zh-CN" altLang="en-US" dirty="0" smtClean="0"/>
+              <a:t>创建</a:t>
+            </a:r>
+            <a:r>
+              <a:rPr lang="en-US" altLang="zh-CN" dirty="0"/>
+              <a:t>.</a:t>
+            </a:r>
+            <a:r>
+              <a:rPr lang="en-US" altLang="zh-CN" dirty="0" err="1"/>
+              <a:t>gitignore</a:t>
+            </a:r>
+            <a:endParaRPr lang="zh-CN" altLang="en-US" dirty="0"/>
+          </a:p>
+        </p:txBody>
+      </p:sp>
+      <p:pic>
+        <p:nvPicPr>
+          <p:cNvPr id="1026" name="Picture 2" descr="https://img2018.cnblogs.com/blog/1374071/201910/1374071-20191015102456541-957419008.png"/>
+          <p:cNvPicPr>
+            <a:picLocks noChangeAspect="1" noChangeArrowheads="1"/>
+          </p:cNvPicPr>
+          <p:nvPr/>
+        </p:nvPicPr>
+        <p:blipFill>
+          <a:blip r:embed="rId2">
+            <a:extLst>
+              <a:ext uri="{28A0092B-C50C-407E-A947-70E740481C1C}">
+                <a14:useLocalDpi xmlns:a14="http://schemas.microsoft.com/office/drawing/2010/main" val="0"/>
+              </a:ext>
+            </a:extLst>
+          </a:blip>
+          <a:srcRect/>
+          <a:stretch>
+            <a:fillRect/>
+          </a:stretch>
+        </p:blipFill>
+        <p:spPr bwMode="auto">
+          <a:xfrm>
+            <a:off x="2183771" y="2459452"/>
+            <a:ext cx="6172200" cy="390526"/>
+          </a:xfrm>
+          <a:prstGeom prst="rect">
+            <a:avLst/>
+          </a:prstGeom>
+          <a:noFill/>
+          <a:extLst>
+            <a:ext uri="{909E8E84-426E-40DD-AFC4-6F175D3DCCD1}">
+              <a14:hiddenFill xmlns:a14="http://schemas.microsoft.com/office/drawing/2010/main">
+                <a:solidFill>
+                  <a:srgbClr val="FFFFFF"/>
+                </a:solidFill>
+              </a14:hiddenFill>
+            </a:ext>
+          </a:extLst>
+        </p:spPr>
+      </p:pic>
+      <p:sp>
+        <p:nvSpPr>
+          <p:cNvPr id="9" name="矩形 8"/>
+          <p:cNvSpPr/>
+          <p:nvPr/>
+        </p:nvSpPr>
+        <p:spPr>
+          <a:xfrm>
+            <a:off x="1676777" y="2891892"/>
+            <a:ext cx="7919156" cy="2862322"/>
+          </a:xfrm>
+          <a:prstGeom prst="rect">
+            <a:avLst/>
+          </a:prstGeom>
+        </p:spPr>
+        <p:txBody>
+          <a:bodyPr wrap="none">
+            <a:spAutoFit/>
+          </a:bodyPr>
+          <a:lstStyle/>
+          <a:p>
+            <a:r>
+              <a:rPr lang="en-US" altLang="zh-CN" dirty="0" smtClean="0"/>
+              <a:t>2. </a:t>
+            </a:r>
+            <a:r>
+              <a:rPr lang="zh-CN" altLang="en-US" dirty="0" smtClean="0"/>
+              <a:t>修改</a:t>
+            </a:r>
+            <a:r>
+              <a:rPr lang="zh-CN" altLang="en-US" dirty="0"/>
+              <a:t>文件，添加</a:t>
+            </a:r>
+            <a:r>
+              <a:rPr lang="zh-CN" altLang="en-US" dirty="0" smtClean="0"/>
+              <a:t>忽略</a:t>
+            </a:r>
+            <a:endParaRPr lang="en-US" altLang="zh-CN" dirty="0" smtClean="0"/>
+          </a:p>
+          <a:p>
+            <a:pPr lvl="1"/>
+            <a:r>
+              <a:rPr lang="en-US" altLang="zh-CN" dirty="0"/>
+              <a:t># Compiled source # </a:t>
+            </a:r>
+            <a:r>
+              <a:rPr lang="en-US" altLang="zh-CN" dirty="0"/>
+              <a:t/>
+            </a:r>
+            <a:br>
+              <a:rPr lang="en-US" altLang="zh-CN" dirty="0"/>
+            </a:br>
+            <a:r>
+              <a:rPr lang="en-US" altLang="zh-CN" dirty="0"/>
+              <a:t>################### </a:t>
+            </a:r>
+            <a:r>
+              <a:rPr lang="en-US" altLang="zh-CN" dirty="0"/>
+              <a:t/>
+            </a:r>
+            <a:br>
+              <a:rPr lang="en-US" altLang="zh-CN" dirty="0"/>
+            </a:br>
+            <a:r>
+              <a:rPr lang="en-US" altLang="zh-CN" dirty="0"/>
+              <a:t>*.com </a:t>
+            </a:r>
+            <a:r>
+              <a:rPr lang="en-US" altLang="zh-CN" dirty="0"/>
+              <a:t/>
+            </a:r>
+            <a:br>
+              <a:rPr lang="en-US" altLang="zh-CN" dirty="0"/>
+            </a:br>
+            <a:r>
+              <a:rPr lang="en-US" altLang="zh-CN" dirty="0"/>
+              <a:t>*.class </a:t>
+            </a:r>
+            <a:r>
+              <a:rPr lang="en-US" altLang="zh-CN" dirty="0"/>
+              <a:t/>
+            </a:r>
+            <a:br>
+              <a:rPr lang="en-US" altLang="zh-CN" dirty="0"/>
+            </a:br>
+            <a:r>
+              <a:rPr lang="en-US" altLang="zh-CN" dirty="0"/>
+              <a:t>*.</a:t>
+            </a:r>
+            <a:r>
+              <a:rPr lang="en-US" altLang="zh-CN" dirty="0" err="1"/>
+              <a:t>dll</a:t>
+            </a:r>
+            <a:r>
+              <a:rPr lang="en-US" altLang="zh-CN" dirty="0"/>
+              <a:t> </a:t>
+            </a:r>
+            <a:r>
+              <a:rPr lang="en-US" altLang="zh-CN" dirty="0"/>
+              <a:t/>
+            </a:r>
+            <a:br>
+              <a:rPr lang="en-US" altLang="zh-CN" dirty="0"/>
+            </a:br>
+            <a:r>
+              <a:rPr lang="en-US" altLang="zh-CN" dirty="0"/>
+              <a:t>*.exe </a:t>
+            </a:r>
+            <a:r>
+              <a:rPr lang="en-US" altLang="zh-CN" dirty="0"/>
+              <a:t/>
+            </a:r>
+            <a:br>
+              <a:rPr lang="en-US" altLang="zh-CN" dirty="0"/>
+            </a:br>
+            <a:r>
+              <a:rPr lang="en-US" altLang="zh-CN" dirty="0"/>
+              <a:t>*.o </a:t>
+            </a:r>
+            <a:r>
+              <a:rPr lang="en-US" altLang="zh-CN" dirty="0"/>
+              <a:t/>
+            </a:r>
+            <a:br>
+              <a:rPr lang="en-US" altLang="zh-CN" dirty="0"/>
+            </a:br>
+            <a:r>
+              <a:rPr lang="en-US" altLang="zh-CN" dirty="0"/>
+              <a:t>*.so </a:t>
+            </a:r>
+            <a:endParaRPr lang="en-US" altLang="zh-CN" dirty="0" smtClean="0"/>
+          </a:p>
+          <a:p>
+            <a:r>
+              <a:rPr lang="en-US" altLang="zh-CN" dirty="0" smtClean="0"/>
+              <a:t>3.  </a:t>
+            </a:r>
+            <a:r>
+              <a:rPr lang="zh-CN" altLang="en-US" dirty="0" smtClean="0"/>
+              <a:t>按：</a:t>
+            </a:r>
+            <a:r>
+              <a:rPr lang="en-US" altLang="zh-CN" dirty="0" err="1" smtClean="0"/>
+              <a:t>wq</a:t>
+            </a:r>
+            <a:r>
+              <a:rPr lang="zh-CN" altLang="en-US" dirty="0"/>
+              <a:t>保存退出，将会生成</a:t>
+            </a:r>
+            <a:r>
+              <a:rPr lang="en-US" altLang="zh-CN" dirty="0"/>
+              <a:t>.</a:t>
+            </a:r>
+            <a:r>
+              <a:rPr lang="en-US" altLang="zh-CN" dirty="0" err="1"/>
+              <a:t>gitignore</a:t>
+            </a:r>
+            <a:r>
+              <a:rPr lang="zh-CN" altLang="en-US" dirty="0"/>
+              <a:t>文件。此时再用</a:t>
+            </a:r>
+            <a:r>
+              <a:rPr lang="en-US" altLang="zh-CN" dirty="0" err="1"/>
+              <a:t>Git</a:t>
+            </a:r>
+            <a:r>
+              <a:rPr lang="zh-CN" altLang="en-US" dirty="0"/>
+              <a:t>进行</a:t>
+            </a:r>
+            <a:r>
+              <a:rPr lang="en-US" altLang="zh-CN" dirty="0"/>
+              <a:t>Commit</a:t>
+            </a:r>
+            <a:r>
+              <a:rPr lang="zh-CN" altLang="en-US" dirty="0"/>
+              <a:t>时</a:t>
+            </a:r>
+            <a:endParaRPr lang="zh-CN" altLang="en-US" dirty="0"/>
+          </a:p>
+        </p:txBody>
+      </p:sp>
+    </p:spTree>
+    <p:extLst>
+      <p:ext uri="{BB962C8B-B14F-4D97-AF65-F5344CB8AC3E}">
+        <p14:creationId xmlns:p14="http://schemas.microsoft.com/office/powerpoint/2010/main" val="1662641754"/>
+      </p:ext>
+    </p:extLst>
+  </p:cSld>
+  <p:clrMapOvr>
+    <a:masterClrMapping/>
+  </p:clrMapOvr>
+</p:sld>
+</file>
+
+<file path=ppt/slides/slide13.xml><?xml version="1.0" encoding="utf-8"?>
 <p:sld xmlns:a="http://schemas.openxmlformats.org/drawingml/2006/main" xmlns:r="http://schemas.openxmlformats.org/officeDocument/2006/relationships" xmlns:p="http://schemas.openxmlformats.org/presentationml/2006/main">
   <p:cSld>
     <p:spTree>
